--- a/chapter-02/02-canary/02_02_canary.pptx
+++ b/chapter-02/02-canary/02_02_canary.pptx
@@ -17,11 +17,12 @@
     <p:sldMasterId id="2147483674" r:id="rId13"/>
   </p:sldMasterIdLst>
   <p:notesMasterIdLst>
-    <p:notesMasterId r:id="rId16"/>
+    <p:notesMasterId r:id="rId17"/>
   </p:notesMasterIdLst>
   <p:sldIdLst>
     <p:sldId id="259" r:id="rId14"/>
-    <p:sldId id="296" r:id="rId15"/>
+    <p:sldId id="297" r:id="rId15"/>
+    <p:sldId id="296" r:id="rId16"/>
   </p:sldIdLst>
   <p:sldSz cx="12192000" cy="6858000"/>
   <p:notesSz cx="9144000" cy="6858000"/>
@@ -258,7 +259,7 @@
           <a:p>
             <a:fld id="{7C2A2C10-8C9F-9B42-9862-A5B84F1CAB8B}" type="datetimeFigureOut">
               <a:rPr lang="en-US" smtClean="0"/>
-              <a:t>4/14/2023</a:t>
+              <a:t>4/15/2023</a:t>
             </a:fld>
             <a:endParaRPr lang="en-US"/>
           </a:p>
@@ -15204,7 +15205,7 @@
           <a:p>
             <a:r>
               <a:rPr lang="en-US" dirty="0"/>
-              <a:t>Canary deployments</a:t>
+              <a:t>Canary deployment</a:t>
             </a:r>
           </a:p>
         </p:txBody>
@@ -15309,6 +15310,434 @@
 </file>
 
 <file path=ppt/slides/slide2.xml><?xml version="1.0" encoding="utf-8"?>
+<p:sld xmlns:a="http://schemas.openxmlformats.org/drawingml/2006/main" xmlns:r="http://schemas.openxmlformats.org/officeDocument/2006/relationships" xmlns:p="http://schemas.openxmlformats.org/presentationml/2006/main">
+  <p:cSld>
+    <p:spTree>
+      <p:nvGrpSpPr>
+        <p:cNvPr id="1" name=""/>
+        <p:cNvGrpSpPr/>
+        <p:nvPr/>
+      </p:nvGrpSpPr>
+      <p:grpSpPr>
+        <a:xfrm>
+          <a:off x="0" y="0"/>
+          <a:ext cx="0" cy="0"/>
+          <a:chOff x="0" y="0"/>
+          <a:chExt cx="0" cy="0"/>
+        </a:xfrm>
+      </p:grpSpPr>
+      <p:sp>
+        <p:nvSpPr>
+          <p:cNvPr id="4" name="Title 3">
+            <a:extLst>
+              <a:ext uri="{FF2B5EF4-FFF2-40B4-BE49-F238E27FC236}">
+                <a16:creationId xmlns:a16="http://schemas.microsoft.com/office/drawing/2014/main" id="{E4E90614-0FAF-7BE9-1751-A7E51B8702C8}"/>
+              </a:ext>
+            </a:extLst>
+          </p:cNvPr>
+          <p:cNvSpPr>
+            <a:spLocks noGrp="1"/>
+          </p:cNvSpPr>
+          <p:nvPr>
+            <p:ph type="title"/>
+          </p:nvPr>
+        </p:nvSpPr>
+        <p:spPr/>
+        <p:txBody>
+          <a:bodyPr/>
+          <a:lstStyle/>
+          <a:p>
+            <a:r>
+              <a:rPr lang="en-US" dirty="0"/>
+              <a:t>Canary deployment</a:t>
+            </a:r>
+          </a:p>
+        </p:txBody>
+      </p:sp>
+      <p:sp>
+        <p:nvSpPr>
+          <p:cNvPr id="5" name="Rectangle 4">
+            <a:extLst>
+              <a:ext uri="{FF2B5EF4-FFF2-40B4-BE49-F238E27FC236}">
+                <a16:creationId xmlns:a16="http://schemas.microsoft.com/office/drawing/2014/main" id="{AC778289-6D15-780E-A1AD-D61003A1A4FD}"/>
+              </a:ext>
+            </a:extLst>
+          </p:cNvPr>
+          <p:cNvSpPr/>
+          <p:nvPr/>
+        </p:nvSpPr>
+        <p:spPr>
+          <a:xfrm>
+            <a:off x="1983580" y="2915840"/>
+            <a:ext cx="2586038" cy="985838"/>
+          </a:xfrm>
+          <a:prstGeom prst="rect">
+            <a:avLst/>
+          </a:prstGeom>
+          <a:solidFill>
+            <a:schemeClr val="bg2">
+              <a:lumMod val="50000"/>
+            </a:schemeClr>
+          </a:solidFill>
+          <a:ln>
+            <a:noFill/>
+          </a:ln>
+        </p:spPr>
+        <p:style>
+          <a:lnRef idx="2">
+            <a:schemeClr val="accent1">
+              <a:shade val="50000"/>
+            </a:schemeClr>
+          </a:lnRef>
+          <a:fillRef idx="1">
+            <a:schemeClr val="accent1"/>
+          </a:fillRef>
+          <a:effectRef idx="0">
+            <a:schemeClr val="accent1"/>
+          </a:effectRef>
+          <a:fontRef idx="minor">
+            <a:schemeClr val="lt1"/>
+          </a:fontRef>
+        </p:style>
+        <p:txBody>
+          <a:bodyPr rtlCol="0" anchor="ctr"/>
+          <a:lstStyle/>
+          <a:p>
+            <a:pPr algn="ctr"/>
+            <a:r>
+              <a:rPr lang="en-US" dirty="0">
+                <a:latin typeface="Source Sans Pro" panose="020B0503030403020204" pitchFamily="34" charset="0"/>
+                <a:ea typeface="Source Sans Pro" panose="020B0503030403020204" pitchFamily="34" charset="0"/>
+              </a:rPr>
+              <a:t>Service</a:t>
+            </a:r>
+          </a:p>
+          <a:p>
+            <a:pPr algn="ctr"/>
+            <a:endParaRPr lang="en-US" dirty="0">
+              <a:latin typeface="Source Sans Pro" panose="020B0503030403020204" pitchFamily="34" charset="0"/>
+              <a:ea typeface="Source Sans Pro" panose="020B0503030403020204" pitchFamily="34" charset="0"/>
+            </a:endParaRPr>
+          </a:p>
+          <a:p>
+            <a:pPr algn="ctr"/>
+            <a:r>
+              <a:rPr lang="en-US" dirty="0">
+                <a:latin typeface="Source Sans Pro" panose="020B0503030403020204" pitchFamily="34" charset="0"/>
+                <a:ea typeface="Source Sans Pro" panose="020B0503030403020204" pitchFamily="34" charset="0"/>
+              </a:rPr>
+              <a:t>(app: </a:t>
+            </a:r>
+            <a:r>
+              <a:rPr lang="en-US" dirty="0" err="1">
+                <a:latin typeface="Source Sans Pro" panose="020B0503030403020204" pitchFamily="34" charset="0"/>
+                <a:ea typeface="Source Sans Pro" panose="020B0503030403020204" pitchFamily="34" charset="0"/>
+              </a:rPr>
+              <a:t>myapp</a:t>
+            </a:r>
+            <a:r>
+              <a:rPr lang="en-US" dirty="0">
+                <a:latin typeface="Source Sans Pro" panose="020B0503030403020204" pitchFamily="34" charset="0"/>
+                <a:ea typeface="Source Sans Pro" panose="020B0503030403020204" pitchFamily="34" charset="0"/>
+              </a:rPr>
+              <a:t>)</a:t>
+            </a:r>
+          </a:p>
+        </p:txBody>
+      </p:sp>
+      <p:sp>
+        <p:nvSpPr>
+          <p:cNvPr id="6" name="Rectangle 5">
+            <a:extLst>
+              <a:ext uri="{FF2B5EF4-FFF2-40B4-BE49-F238E27FC236}">
+                <a16:creationId xmlns:a16="http://schemas.microsoft.com/office/drawing/2014/main" id="{23F802ED-2624-42A7-4559-1DECA3746189}"/>
+              </a:ext>
+            </a:extLst>
+          </p:cNvPr>
+          <p:cNvSpPr/>
+          <p:nvPr/>
+        </p:nvSpPr>
+        <p:spPr>
+          <a:xfrm>
+            <a:off x="7622381" y="1930002"/>
+            <a:ext cx="2586038" cy="985838"/>
+          </a:xfrm>
+          <a:prstGeom prst="rect">
+            <a:avLst/>
+          </a:prstGeom>
+          <a:solidFill>
+            <a:srgbClr val="C00000"/>
+          </a:solidFill>
+          <a:ln>
+            <a:noFill/>
+          </a:ln>
+        </p:spPr>
+        <p:style>
+          <a:lnRef idx="2">
+            <a:schemeClr val="accent1">
+              <a:shade val="50000"/>
+            </a:schemeClr>
+          </a:lnRef>
+          <a:fillRef idx="1">
+            <a:schemeClr val="accent1"/>
+          </a:fillRef>
+          <a:effectRef idx="0">
+            <a:schemeClr val="accent1"/>
+          </a:effectRef>
+          <a:fontRef idx="minor">
+            <a:schemeClr val="lt1"/>
+          </a:fontRef>
+        </p:style>
+        <p:txBody>
+          <a:bodyPr rtlCol="0" anchor="ctr"/>
+          <a:lstStyle/>
+          <a:p>
+            <a:pPr algn="ctr"/>
+            <a:r>
+              <a:rPr lang="en-US" dirty="0">
+                <a:latin typeface="Source Sans Pro" panose="020B0503030403020204" pitchFamily="34" charset="0"/>
+                <a:ea typeface="Source Sans Pro" panose="020B0503030403020204" pitchFamily="34" charset="0"/>
+              </a:rPr>
+              <a:t>Primary deployment</a:t>
+            </a:r>
+          </a:p>
+        </p:txBody>
+      </p:sp>
+      <p:sp>
+        <p:nvSpPr>
+          <p:cNvPr id="7" name="Rectangle 6">
+            <a:extLst>
+              <a:ext uri="{FF2B5EF4-FFF2-40B4-BE49-F238E27FC236}">
+                <a16:creationId xmlns:a16="http://schemas.microsoft.com/office/drawing/2014/main" id="{918AAAEA-2F56-939C-C207-1F0D6D8B2193}"/>
+              </a:ext>
+            </a:extLst>
+          </p:cNvPr>
+          <p:cNvSpPr/>
+          <p:nvPr/>
+        </p:nvSpPr>
+        <p:spPr>
+          <a:xfrm>
+            <a:off x="7622381" y="3942159"/>
+            <a:ext cx="2586038" cy="985838"/>
+          </a:xfrm>
+          <a:prstGeom prst="rect">
+            <a:avLst/>
+          </a:prstGeom>
+          <a:solidFill>
+            <a:schemeClr val="accent2">
+              <a:lumMod val="75000"/>
+            </a:schemeClr>
+          </a:solidFill>
+          <a:ln>
+            <a:noFill/>
+          </a:ln>
+        </p:spPr>
+        <p:style>
+          <a:lnRef idx="2">
+            <a:schemeClr val="accent1">
+              <a:shade val="50000"/>
+            </a:schemeClr>
+          </a:lnRef>
+          <a:fillRef idx="1">
+            <a:schemeClr val="accent1"/>
+          </a:fillRef>
+          <a:effectRef idx="0">
+            <a:schemeClr val="accent1"/>
+          </a:effectRef>
+          <a:fontRef idx="minor">
+            <a:schemeClr val="lt1"/>
+          </a:fontRef>
+        </p:style>
+        <p:txBody>
+          <a:bodyPr rtlCol="0" anchor="ctr"/>
+          <a:lstStyle/>
+          <a:p>
+            <a:pPr algn="ctr"/>
+            <a:r>
+              <a:rPr lang="en-US" dirty="0">
+                <a:latin typeface="Source Sans Pro" panose="020B0503030403020204" pitchFamily="34" charset="0"/>
+                <a:ea typeface="Source Sans Pro" panose="020B0503030403020204" pitchFamily="34" charset="0"/>
+              </a:rPr>
+              <a:t>Canary deployment</a:t>
+            </a:r>
+          </a:p>
+        </p:txBody>
+      </p:sp>
+      <p:cxnSp>
+        <p:nvCxnSpPr>
+          <p:cNvPr id="8" name="Straight Arrow Connector 7">
+            <a:extLst>
+              <a:ext uri="{FF2B5EF4-FFF2-40B4-BE49-F238E27FC236}">
+                <a16:creationId xmlns:a16="http://schemas.microsoft.com/office/drawing/2014/main" id="{205E6ECD-989A-36DB-1262-8604C9B59642}"/>
+              </a:ext>
+            </a:extLst>
+          </p:cNvPr>
+          <p:cNvCxnSpPr>
+            <a:stCxn id="5" idx="3"/>
+            <a:endCxn id="6" idx="1"/>
+          </p:cNvCxnSpPr>
+          <p:nvPr/>
+        </p:nvCxnSpPr>
+        <p:spPr>
+          <a:xfrm flipV="1">
+            <a:off x="4569618" y="2422921"/>
+            <a:ext cx="3052763" cy="985838"/>
+          </a:xfrm>
+          <a:prstGeom prst="straightConnector1">
+            <a:avLst/>
+          </a:prstGeom>
+          <a:ln>
+            <a:tailEnd type="triangle"/>
+          </a:ln>
+        </p:spPr>
+        <p:style>
+          <a:lnRef idx="1">
+            <a:schemeClr val="accent1"/>
+          </a:lnRef>
+          <a:fillRef idx="0">
+            <a:schemeClr val="accent1"/>
+          </a:fillRef>
+          <a:effectRef idx="0">
+            <a:schemeClr val="accent1"/>
+          </a:effectRef>
+          <a:fontRef idx="minor">
+            <a:schemeClr val="tx1"/>
+          </a:fontRef>
+        </p:style>
+      </p:cxnSp>
+      <p:cxnSp>
+        <p:nvCxnSpPr>
+          <p:cNvPr id="9" name="Straight Arrow Connector 8">
+            <a:extLst>
+              <a:ext uri="{FF2B5EF4-FFF2-40B4-BE49-F238E27FC236}">
+                <a16:creationId xmlns:a16="http://schemas.microsoft.com/office/drawing/2014/main" id="{4A6537BA-023D-3502-7B07-5DD7DA6210A5}"/>
+              </a:ext>
+            </a:extLst>
+          </p:cNvPr>
+          <p:cNvCxnSpPr>
+            <a:cxnSpLocks/>
+            <a:stCxn id="5" idx="3"/>
+            <a:endCxn id="7" idx="1"/>
+          </p:cNvCxnSpPr>
+          <p:nvPr/>
+        </p:nvCxnSpPr>
+        <p:spPr>
+          <a:xfrm>
+            <a:off x="4569618" y="3408759"/>
+            <a:ext cx="3052763" cy="1026319"/>
+          </a:xfrm>
+          <a:prstGeom prst="straightConnector1">
+            <a:avLst/>
+          </a:prstGeom>
+          <a:ln>
+            <a:tailEnd type="triangle"/>
+          </a:ln>
+        </p:spPr>
+        <p:style>
+          <a:lnRef idx="1">
+            <a:schemeClr val="accent1"/>
+          </a:lnRef>
+          <a:fillRef idx="0">
+            <a:schemeClr val="accent1"/>
+          </a:fillRef>
+          <a:effectRef idx="0">
+            <a:schemeClr val="accent1"/>
+          </a:effectRef>
+          <a:fontRef idx="minor">
+            <a:schemeClr val="tx1"/>
+          </a:fontRef>
+        </p:style>
+      </p:cxnSp>
+      <p:sp>
+        <p:nvSpPr>
+          <p:cNvPr id="10" name="TextBox 9">
+            <a:extLst>
+              <a:ext uri="{FF2B5EF4-FFF2-40B4-BE49-F238E27FC236}">
+                <a16:creationId xmlns:a16="http://schemas.microsoft.com/office/drawing/2014/main" id="{9786694B-80A8-AAFF-2B27-6F0442162231}"/>
+              </a:ext>
+            </a:extLst>
+          </p:cNvPr>
+          <p:cNvSpPr txBox="1"/>
+          <p:nvPr/>
+        </p:nvSpPr>
+        <p:spPr>
+          <a:xfrm>
+            <a:off x="6400800" y="2178606"/>
+            <a:ext cx="806334" cy="369332"/>
+          </a:xfrm>
+          <a:prstGeom prst="rect">
+            <a:avLst/>
+          </a:prstGeom>
+          <a:noFill/>
+        </p:spPr>
+        <p:txBody>
+          <a:bodyPr wrap="square" rtlCol="0">
+            <a:spAutoFit/>
+          </a:bodyPr>
+          <a:lstStyle/>
+          <a:p>
+            <a:r>
+              <a:rPr lang="en-US" dirty="0">
+                <a:latin typeface="Source Sans Pro" panose="020B0503030403020204" pitchFamily="34" charset="0"/>
+                <a:ea typeface="Source Sans Pro" panose="020B0503030403020204" pitchFamily="34" charset="0"/>
+              </a:rPr>
+              <a:t>80%</a:t>
+            </a:r>
+          </a:p>
+        </p:txBody>
+      </p:sp>
+      <p:sp>
+        <p:nvSpPr>
+          <p:cNvPr id="11" name="TextBox 10">
+            <a:extLst>
+              <a:ext uri="{FF2B5EF4-FFF2-40B4-BE49-F238E27FC236}">
+                <a16:creationId xmlns:a16="http://schemas.microsoft.com/office/drawing/2014/main" id="{C1437913-503E-079B-779C-D1A39DC263BB}"/>
+              </a:ext>
+            </a:extLst>
+          </p:cNvPr>
+          <p:cNvSpPr txBox="1"/>
+          <p:nvPr/>
+        </p:nvSpPr>
+        <p:spPr>
+          <a:xfrm>
+            <a:off x="6400800" y="4394597"/>
+            <a:ext cx="806334" cy="369332"/>
+          </a:xfrm>
+          <a:prstGeom prst="rect">
+            <a:avLst/>
+          </a:prstGeom>
+          <a:noFill/>
+        </p:spPr>
+        <p:txBody>
+          <a:bodyPr wrap="square" rtlCol="0">
+            <a:spAutoFit/>
+          </a:bodyPr>
+          <a:lstStyle/>
+          <a:p>
+            <a:r>
+              <a:rPr lang="en-US" dirty="0">
+                <a:latin typeface="Source Sans Pro" panose="020B0503030403020204" pitchFamily="34" charset="0"/>
+                <a:ea typeface="Source Sans Pro" panose="020B0503030403020204" pitchFamily="34" charset="0"/>
+              </a:rPr>
+              <a:t>20%</a:t>
+            </a:r>
+          </a:p>
+        </p:txBody>
+      </p:sp>
+    </p:spTree>
+    <p:extLst>
+      <p:ext uri="{BB962C8B-B14F-4D97-AF65-F5344CB8AC3E}">
+        <p14:creationId xmlns:p14="http://schemas.microsoft.com/office/powerpoint/2010/main" val="2938490631"/>
+      </p:ext>
+    </p:extLst>
+  </p:cSld>
+  <p:clrMapOvr>
+    <a:masterClrMapping/>
+  </p:clrMapOvr>
+</p:sld>
+</file>
+
+<file path=ppt/slides/slide3.xml><?xml version="1.0" encoding="utf-8"?>
 <p:sld xmlns:a="http://schemas.openxmlformats.org/drawingml/2006/main" xmlns:r="http://schemas.openxmlformats.org/officeDocument/2006/relationships" xmlns:p="http://schemas.openxmlformats.org/presentationml/2006/main">
   <p:cSld>
     <p:spTree>

--- a/chapter-02/02-canary/02_02_canary.pptx
+++ b/chapter-02/02-canary/02_02_canary.pptx
@@ -259,7 +259,7 @@
           <a:p>
             <a:fld id="{7C2A2C10-8C9F-9B42-9862-A5B84F1CAB8B}" type="datetimeFigureOut">
               <a:rPr lang="en-US" smtClean="0"/>
-              <a:t>4/15/2023</a:t>
+              <a:t>4/16/2023</a:t>
             </a:fld>
             <a:endParaRPr lang="en-US"/>
           </a:p>
